--- a/P6_01_presentation.pptx
+++ b/P6_01_presentation.pptx
@@ -4,6 +4,9 @@
   <p:sldMasterIdLst>
     <p:sldMasterId id="2147483786" r:id="rId1"/>
   </p:sldMasterIdLst>
+  <p:notesMasterIdLst>
+    <p:notesMasterId r:id="rId19"/>
+  </p:notesMasterIdLst>
   <p:sldIdLst>
     <p:sldId id="256" r:id="rId2"/>
     <p:sldId id="257" r:id="rId3"/>
@@ -128,6 +131,355 @@
 </p:presentation>
 </file>
 
+<file path=ppt/notesMasters/notesMaster1.xml><?xml version="1.0" encoding="utf-8"?>
+<p:notesMaster xmlns:a="http://schemas.openxmlformats.org/drawingml/2006/main" xmlns:r="http://schemas.openxmlformats.org/officeDocument/2006/relationships" xmlns:p="http://schemas.openxmlformats.org/presentationml/2006/main">
+  <p:cSld>
+    <p:bg>
+      <p:bgRef idx="1001">
+        <a:schemeClr val="bg1"/>
+      </p:bgRef>
+    </p:bg>
+    <p:spTree>
+      <p:nvGrpSpPr>
+        <p:cNvPr id="1" name=""/>
+        <p:cNvGrpSpPr/>
+        <p:nvPr/>
+      </p:nvGrpSpPr>
+      <p:grpSpPr>
+        <a:xfrm>
+          <a:off x="0" y="0"/>
+          <a:ext cx="0" cy="0"/>
+          <a:chOff x="0" y="0"/>
+          <a:chExt cx="0" cy="0"/>
+        </a:xfrm>
+      </p:grpSpPr>
+      <p:sp>
+        <p:nvSpPr>
+          <p:cNvPr id="2" name="Espace réservé de l'en-tête 1"/>
+          <p:cNvSpPr>
+            <a:spLocks noGrp="1"/>
+          </p:cNvSpPr>
+          <p:nvPr>
+            <p:ph type="hdr" sz="quarter"/>
+          </p:nvPr>
+        </p:nvSpPr>
+        <p:spPr>
+          <a:xfrm>
+            <a:off x="0" y="0"/>
+            <a:ext cx="2971800" cy="458788"/>
+          </a:xfrm>
+          <a:prstGeom prst="rect">
+            <a:avLst/>
+          </a:prstGeom>
+        </p:spPr>
+        <p:txBody>
+          <a:bodyPr vert="horz" lIns="91440" tIns="45720" rIns="91440" bIns="45720" rtlCol="0"/>
+          <a:lstStyle>
+            <a:lvl1pPr algn="l">
+              <a:defRPr sz="1200"/>
+            </a:lvl1pPr>
+          </a:lstStyle>
+          <a:p>
+            <a:endParaRPr lang="fr-FR"/>
+          </a:p>
+        </p:txBody>
+      </p:sp>
+      <p:sp>
+        <p:nvSpPr>
+          <p:cNvPr id="3" name="Espace réservé de la date 2"/>
+          <p:cNvSpPr>
+            <a:spLocks noGrp="1"/>
+          </p:cNvSpPr>
+          <p:nvPr>
+            <p:ph type="dt" idx="1"/>
+          </p:nvPr>
+        </p:nvSpPr>
+        <p:spPr>
+          <a:xfrm>
+            <a:off x="3884613" y="0"/>
+            <a:ext cx="2971800" cy="458788"/>
+          </a:xfrm>
+          <a:prstGeom prst="rect">
+            <a:avLst/>
+          </a:prstGeom>
+        </p:spPr>
+        <p:txBody>
+          <a:bodyPr vert="horz" lIns="91440" tIns="45720" rIns="91440" bIns="45720" rtlCol="0"/>
+          <a:lstStyle>
+            <a:lvl1pPr algn="r">
+              <a:defRPr sz="1200"/>
+            </a:lvl1pPr>
+          </a:lstStyle>
+          <a:p>
+            <a:fld id="{704B0BD4-CFD5-4D2E-94DD-CAB457FF286B}" type="datetimeFigureOut">
+              <a:rPr lang="fr-FR" smtClean="0"/>
+              <a:t>21/09/2021</a:t>
+            </a:fld>
+            <a:endParaRPr lang="fr-FR"/>
+          </a:p>
+        </p:txBody>
+      </p:sp>
+      <p:sp>
+        <p:nvSpPr>
+          <p:cNvPr id="4" name="Espace réservé de l'image des diapositives 3"/>
+          <p:cNvSpPr>
+            <a:spLocks noGrp="1" noRot="1" noChangeAspect="1"/>
+          </p:cNvSpPr>
+          <p:nvPr>
+            <p:ph type="sldImg" idx="2"/>
+          </p:nvPr>
+        </p:nvSpPr>
+        <p:spPr>
+          <a:xfrm>
+            <a:off x="685800" y="1143000"/>
+            <a:ext cx="5486400" cy="3086100"/>
+          </a:xfrm>
+          <a:prstGeom prst="rect">
+            <a:avLst/>
+          </a:prstGeom>
+          <a:noFill/>
+          <a:ln w="12700">
+            <a:solidFill>
+              <a:prstClr val="black"/>
+            </a:solidFill>
+          </a:ln>
+        </p:spPr>
+        <p:txBody>
+          <a:bodyPr vert="horz" lIns="91440" tIns="45720" rIns="91440" bIns="45720" rtlCol="0" anchor="ctr"/>
+          <a:lstStyle/>
+          <a:p>
+            <a:endParaRPr lang="fr-FR"/>
+          </a:p>
+        </p:txBody>
+      </p:sp>
+      <p:sp>
+        <p:nvSpPr>
+          <p:cNvPr id="5" name="Espace réservé des notes 4"/>
+          <p:cNvSpPr>
+            <a:spLocks noGrp="1"/>
+          </p:cNvSpPr>
+          <p:nvPr>
+            <p:ph type="body" sz="quarter" idx="3"/>
+          </p:nvPr>
+        </p:nvSpPr>
+        <p:spPr>
+          <a:xfrm>
+            <a:off x="685800" y="4400550"/>
+            <a:ext cx="5486400" cy="3600450"/>
+          </a:xfrm>
+          <a:prstGeom prst="rect">
+            <a:avLst/>
+          </a:prstGeom>
+        </p:spPr>
+        <p:txBody>
+          <a:bodyPr vert="horz" lIns="91440" tIns="45720" rIns="91440" bIns="45720" rtlCol="0"/>
+          <a:lstStyle/>
+          <a:p>
+            <a:pPr lvl="0"/>
+            <a:r>
+              <a:rPr lang="fr-FR"/>
+              <a:t>Cliquez pour modifier les styles du texte du masque</a:t>
+            </a:r>
+          </a:p>
+          <a:p>
+            <a:pPr lvl="1"/>
+            <a:r>
+              <a:rPr lang="fr-FR"/>
+              <a:t>Deuxième niveau</a:t>
+            </a:r>
+          </a:p>
+          <a:p>
+            <a:pPr lvl="2"/>
+            <a:r>
+              <a:rPr lang="fr-FR"/>
+              <a:t>Troisième niveau</a:t>
+            </a:r>
+          </a:p>
+          <a:p>
+            <a:pPr lvl="3"/>
+            <a:r>
+              <a:rPr lang="fr-FR"/>
+              <a:t>Quatrième niveau</a:t>
+            </a:r>
+          </a:p>
+          <a:p>
+            <a:pPr lvl="4"/>
+            <a:r>
+              <a:rPr lang="fr-FR"/>
+              <a:t>Cinquième niveau</a:t>
+            </a:r>
+          </a:p>
+        </p:txBody>
+      </p:sp>
+      <p:sp>
+        <p:nvSpPr>
+          <p:cNvPr id="6" name="Espace réservé du pied de page 5"/>
+          <p:cNvSpPr>
+            <a:spLocks noGrp="1"/>
+          </p:cNvSpPr>
+          <p:nvPr>
+            <p:ph type="ftr" sz="quarter" idx="4"/>
+          </p:nvPr>
+        </p:nvSpPr>
+        <p:spPr>
+          <a:xfrm>
+            <a:off x="0" y="8685213"/>
+            <a:ext cx="2971800" cy="458787"/>
+          </a:xfrm>
+          <a:prstGeom prst="rect">
+            <a:avLst/>
+          </a:prstGeom>
+        </p:spPr>
+        <p:txBody>
+          <a:bodyPr vert="horz" lIns="91440" tIns="45720" rIns="91440" bIns="45720" rtlCol="0" anchor="b"/>
+          <a:lstStyle>
+            <a:lvl1pPr algn="l">
+              <a:defRPr sz="1200"/>
+            </a:lvl1pPr>
+          </a:lstStyle>
+          <a:p>
+            <a:endParaRPr lang="fr-FR"/>
+          </a:p>
+        </p:txBody>
+      </p:sp>
+      <p:sp>
+        <p:nvSpPr>
+          <p:cNvPr id="7" name="Espace réservé du numéro de diapositive 6"/>
+          <p:cNvSpPr>
+            <a:spLocks noGrp="1"/>
+          </p:cNvSpPr>
+          <p:nvPr>
+            <p:ph type="sldNum" sz="quarter" idx="5"/>
+          </p:nvPr>
+        </p:nvSpPr>
+        <p:spPr>
+          <a:xfrm>
+            <a:off x="3884613" y="8685213"/>
+            <a:ext cx="2971800" cy="458787"/>
+          </a:xfrm>
+          <a:prstGeom prst="rect">
+            <a:avLst/>
+          </a:prstGeom>
+        </p:spPr>
+        <p:txBody>
+          <a:bodyPr vert="horz" lIns="91440" tIns="45720" rIns="91440" bIns="45720" rtlCol="0" anchor="b"/>
+          <a:lstStyle>
+            <a:lvl1pPr algn="r">
+              <a:defRPr sz="1200"/>
+            </a:lvl1pPr>
+          </a:lstStyle>
+          <a:p>
+            <a:fld id="{68095142-8EFA-4787-A258-1591B70AF3B7}" type="slidenum">
+              <a:rPr lang="fr-FR" smtClean="0"/>
+              <a:t>‹N°›</a:t>
+            </a:fld>
+            <a:endParaRPr lang="fr-FR"/>
+          </a:p>
+        </p:txBody>
+      </p:sp>
+    </p:spTree>
+    <p:extLst>
+      <p:ext uri="{BB962C8B-B14F-4D97-AF65-F5344CB8AC3E}">
+        <p14:creationId xmlns:p14="http://schemas.microsoft.com/office/powerpoint/2010/main" val="841397036"/>
+      </p:ext>
+    </p:extLst>
+  </p:cSld>
+  <p:clrMap bg1="lt1" tx1="dk1" bg2="lt2" tx2="dk2" accent1="accent1" accent2="accent2" accent3="accent3" accent4="accent4" accent5="accent5" accent6="accent6" hlink="hlink" folHlink="folHlink"/>
+  <p:notesStyle>
+    <a:lvl1pPr marL="0" algn="l" defTabSz="914400" rtl="0" eaLnBrk="1" latinLnBrk="0" hangingPunct="1">
+      <a:defRPr sz="1200" kern="1200">
+        <a:solidFill>
+          <a:schemeClr val="tx1"/>
+        </a:solidFill>
+        <a:latin typeface="+mn-lt"/>
+        <a:ea typeface="+mn-ea"/>
+        <a:cs typeface="+mn-cs"/>
+      </a:defRPr>
+    </a:lvl1pPr>
+    <a:lvl2pPr marL="457200" algn="l" defTabSz="914400" rtl="0" eaLnBrk="1" latinLnBrk="0" hangingPunct="1">
+      <a:defRPr sz="1200" kern="1200">
+        <a:solidFill>
+          <a:schemeClr val="tx1"/>
+        </a:solidFill>
+        <a:latin typeface="+mn-lt"/>
+        <a:ea typeface="+mn-ea"/>
+        <a:cs typeface="+mn-cs"/>
+      </a:defRPr>
+    </a:lvl2pPr>
+    <a:lvl3pPr marL="914400" algn="l" defTabSz="914400" rtl="0" eaLnBrk="1" latinLnBrk="0" hangingPunct="1">
+      <a:defRPr sz="1200" kern="1200">
+        <a:solidFill>
+          <a:schemeClr val="tx1"/>
+        </a:solidFill>
+        <a:latin typeface="+mn-lt"/>
+        <a:ea typeface="+mn-ea"/>
+        <a:cs typeface="+mn-cs"/>
+      </a:defRPr>
+    </a:lvl3pPr>
+    <a:lvl4pPr marL="1371600" algn="l" defTabSz="914400" rtl="0" eaLnBrk="1" latinLnBrk="0" hangingPunct="1">
+      <a:defRPr sz="1200" kern="1200">
+        <a:solidFill>
+          <a:schemeClr val="tx1"/>
+        </a:solidFill>
+        <a:latin typeface="+mn-lt"/>
+        <a:ea typeface="+mn-ea"/>
+        <a:cs typeface="+mn-cs"/>
+      </a:defRPr>
+    </a:lvl4pPr>
+    <a:lvl5pPr marL="1828800" algn="l" defTabSz="914400" rtl="0" eaLnBrk="1" latinLnBrk="0" hangingPunct="1">
+      <a:defRPr sz="1200" kern="1200">
+        <a:solidFill>
+          <a:schemeClr val="tx1"/>
+        </a:solidFill>
+        <a:latin typeface="+mn-lt"/>
+        <a:ea typeface="+mn-ea"/>
+        <a:cs typeface="+mn-cs"/>
+      </a:defRPr>
+    </a:lvl5pPr>
+    <a:lvl6pPr marL="2286000" algn="l" defTabSz="914400" rtl="0" eaLnBrk="1" latinLnBrk="0" hangingPunct="1">
+      <a:defRPr sz="1200" kern="1200">
+        <a:solidFill>
+          <a:schemeClr val="tx1"/>
+        </a:solidFill>
+        <a:latin typeface="+mn-lt"/>
+        <a:ea typeface="+mn-ea"/>
+        <a:cs typeface="+mn-cs"/>
+      </a:defRPr>
+    </a:lvl6pPr>
+    <a:lvl7pPr marL="2743200" algn="l" defTabSz="914400" rtl="0" eaLnBrk="1" latinLnBrk="0" hangingPunct="1">
+      <a:defRPr sz="1200" kern="1200">
+        <a:solidFill>
+          <a:schemeClr val="tx1"/>
+        </a:solidFill>
+        <a:latin typeface="+mn-lt"/>
+        <a:ea typeface="+mn-ea"/>
+        <a:cs typeface="+mn-cs"/>
+      </a:defRPr>
+    </a:lvl7pPr>
+    <a:lvl8pPr marL="3200400" algn="l" defTabSz="914400" rtl="0" eaLnBrk="1" latinLnBrk="0" hangingPunct="1">
+      <a:defRPr sz="1200" kern="1200">
+        <a:solidFill>
+          <a:schemeClr val="tx1"/>
+        </a:solidFill>
+        <a:latin typeface="+mn-lt"/>
+        <a:ea typeface="+mn-ea"/>
+        <a:cs typeface="+mn-cs"/>
+      </a:defRPr>
+    </a:lvl8pPr>
+    <a:lvl9pPr marL="3657600" algn="l" defTabSz="914400" rtl="0" eaLnBrk="1" latinLnBrk="0" hangingPunct="1">
+      <a:defRPr sz="1200" kern="1200">
+        <a:solidFill>
+          <a:schemeClr val="tx1"/>
+        </a:solidFill>
+        <a:latin typeface="+mn-lt"/>
+        <a:ea typeface="+mn-ea"/>
+        <a:cs typeface="+mn-cs"/>
+      </a:defRPr>
+    </a:lvl9pPr>
+  </p:notesStyle>
+</p:notesMaster>
+</file>
+
 <file path=ppt/slideLayouts/slideLayout1.xml><?xml version="1.0" encoding="utf-8"?>
 <p:sldLayout xmlns:a="http://schemas.openxmlformats.org/drawingml/2006/main" xmlns:r="http://schemas.openxmlformats.org/officeDocument/2006/relationships" xmlns:p="http://schemas.openxmlformats.org/presentationml/2006/main" showMasterSp="0" type="title" preserve="1">
   <p:cSld name="Diapositive de titre">
@@ -461,7 +813,7 @@
             </a:lvl1pPr>
           </a:lstStyle>
           <a:p>
-            <a:fld id="{FE51F9CA-5135-4A7D-9D2E-A58C7B174BB9}" type="datetimeFigureOut">
+            <a:fld id="{39B14C4A-EADF-4DD5-B5EB-0A5A79ADBD65}" type="datetime1">
               <a:rPr lang="fr-FR" smtClean="0"/>
               <a:t>21/09/2021</a:t>
             </a:fld>
@@ -1549,7 +1901,7 @@
           <a:bodyPr/>
           <a:lstStyle/>
           <a:p>
-            <a:fld id="{FE51F9CA-5135-4A7D-9D2E-A58C7B174BB9}" type="datetimeFigureOut">
+            <a:fld id="{2508AB0F-1DD9-4935-90F8-92224752A26B}" type="datetime1">
               <a:rPr lang="fr-FR" smtClean="0"/>
               <a:t>21/09/2021</a:t>
             </a:fld>
@@ -2529,7 +2881,7 @@
           <a:bodyPr/>
           <a:lstStyle/>
           <a:p>
-            <a:fld id="{FE51F9CA-5135-4A7D-9D2E-A58C7B174BB9}" type="datetimeFigureOut">
+            <a:fld id="{B0A942E3-711F-4740-918A-E913B7C45615}" type="datetime1">
               <a:rPr lang="fr-FR" smtClean="0"/>
               <a:t>21/09/2021</a:t>
             </a:fld>
@@ -3663,7 +4015,7 @@
           <a:bodyPr/>
           <a:lstStyle/>
           <a:p>
-            <a:fld id="{FE51F9CA-5135-4A7D-9D2E-A58C7B174BB9}" type="datetimeFigureOut">
+            <a:fld id="{627AA1F9-CACE-4B03-8971-8844D5187DCB}" type="datetime1">
               <a:rPr lang="fr-FR" smtClean="0"/>
               <a:t>21/09/2021</a:t>
             </a:fld>
@@ -4696,7 +5048,7 @@
           <a:bodyPr/>
           <a:lstStyle/>
           <a:p>
-            <a:fld id="{FE51F9CA-5135-4A7D-9D2E-A58C7B174BB9}" type="datetimeFigureOut">
+            <a:fld id="{4F3DD30C-8646-498D-9EA4-35679604ADA7}" type="datetime1">
               <a:rPr lang="fr-FR" smtClean="0"/>
               <a:t>21/09/2021</a:t>
             </a:fld>
@@ -5356,7 +5708,7 @@
           <a:bodyPr/>
           <a:lstStyle/>
           <a:p>
-            <a:fld id="{FE51F9CA-5135-4A7D-9D2E-A58C7B174BB9}" type="datetimeFigureOut">
+            <a:fld id="{9429468F-ABFA-4C8A-8823-CAC2F2D5C810}" type="datetime1">
               <a:rPr lang="fr-FR" smtClean="0"/>
               <a:t>21/09/2021</a:t>
             </a:fld>
@@ -6217,7 +6569,7 @@
           <a:bodyPr/>
           <a:lstStyle/>
           <a:p>
-            <a:fld id="{FE51F9CA-5135-4A7D-9D2E-A58C7B174BB9}" type="datetimeFigureOut">
+            <a:fld id="{97203237-BE92-48BC-8A56-E4516F5B9D66}" type="datetime1">
               <a:rPr lang="fr-FR" smtClean="0"/>
               <a:t>21/09/2021</a:t>
             </a:fld>
@@ -6407,7 +6759,7 @@
           <a:bodyPr/>
           <a:lstStyle/>
           <a:p>
-            <a:fld id="{FE51F9CA-5135-4A7D-9D2E-A58C7B174BB9}" type="datetimeFigureOut">
+            <a:fld id="{C416D283-1039-46B4-9235-2E5993F38F07}" type="datetime1">
               <a:rPr lang="fr-FR" smtClean="0"/>
               <a:t>21/09/2021</a:t>
             </a:fld>
@@ -7379,7 +7731,7 @@
           <a:bodyPr/>
           <a:lstStyle/>
           <a:p>
-            <a:fld id="{FE51F9CA-5135-4A7D-9D2E-A58C7B174BB9}" type="datetimeFigureOut">
+            <a:fld id="{22BC87F2-035D-47D1-948D-E4EA638AE9A1}" type="datetime1">
               <a:rPr lang="fr-FR" smtClean="0"/>
               <a:t>21/09/2021</a:t>
             </a:fld>
@@ -7590,7 +7942,7 @@
           <a:bodyPr/>
           <a:lstStyle/>
           <a:p>
-            <a:fld id="{FE51F9CA-5135-4A7D-9D2E-A58C7B174BB9}" type="datetimeFigureOut">
+            <a:fld id="{5E99CB22-1A2C-4DEB-9996-40E88E713682}" type="datetime1">
               <a:rPr lang="fr-FR" smtClean="0"/>
               <a:t>21/09/2021</a:t>
             </a:fld>
@@ -8624,7 +8976,7 @@
           <a:bodyPr/>
           <a:lstStyle/>
           <a:p>
-            <a:fld id="{FE51F9CA-5135-4A7D-9D2E-A58C7B174BB9}" type="datetimeFigureOut">
+            <a:fld id="{74703618-C21F-47A9-8476-1D7A13BEDD06}" type="datetime1">
               <a:rPr lang="fr-FR" smtClean="0"/>
               <a:t>21/09/2021</a:t>
             </a:fld>
@@ -8896,7 +9248,7 @@
           <a:bodyPr/>
           <a:lstStyle/>
           <a:p>
-            <a:fld id="{FE51F9CA-5135-4A7D-9D2E-A58C7B174BB9}" type="datetimeFigureOut">
+            <a:fld id="{1466AF5C-55EA-495B-8DAB-9E10954B2596}" type="datetime1">
               <a:rPr lang="fr-FR" smtClean="0"/>
               <a:t>21/09/2021</a:t>
             </a:fld>
@@ -9306,7 +9658,7 @@
           <a:bodyPr/>
           <a:lstStyle/>
           <a:p>
-            <a:fld id="{FE51F9CA-5135-4A7D-9D2E-A58C7B174BB9}" type="datetimeFigureOut">
+            <a:fld id="{51FFE911-360D-451D-AFF5-3193A8D808C0}" type="datetime1">
               <a:rPr lang="fr-FR" smtClean="0"/>
               <a:t>21/09/2021</a:t>
             </a:fld>
@@ -9433,7 +9785,7 @@
           <a:bodyPr/>
           <a:lstStyle/>
           <a:p>
-            <a:fld id="{FE51F9CA-5135-4A7D-9D2E-A58C7B174BB9}" type="datetimeFigureOut">
+            <a:fld id="{F4D2196B-E7C7-438A-9ABA-963E461DDA0A}" type="datetime1">
               <a:rPr lang="fr-FR" smtClean="0"/>
               <a:t>21/09/2021</a:t>
             </a:fld>
@@ -9528,7 +9880,7 @@
           <a:bodyPr/>
           <a:lstStyle/>
           <a:p>
-            <a:fld id="{FE51F9CA-5135-4A7D-9D2E-A58C7B174BB9}" type="datetimeFigureOut">
+            <a:fld id="{891655F4-FDD0-4875-AE86-230471F19595}" type="datetime1">
               <a:rPr lang="fr-FR" smtClean="0"/>
               <a:t>21/09/2021</a:t>
             </a:fld>
@@ -10609,7 +10961,7 @@
           <a:bodyPr/>
           <a:lstStyle/>
           <a:p>
-            <a:fld id="{FE51F9CA-5135-4A7D-9D2E-A58C7B174BB9}" type="datetimeFigureOut">
+            <a:fld id="{FB8AF075-C13B-4B1F-A27B-AFE18681ECB3}" type="datetime1">
               <a:rPr lang="fr-FR" smtClean="0"/>
               <a:t>21/09/2021</a:t>
             </a:fld>
@@ -11717,7 +12069,7 @@
           <a:bodyPr/>
           <a:lstStyle/>
           <a:p>
-            <a:fld id="{FE51F9CA-5135-4A7D-9D2E-A58C7B174BB9}" type="datetimeFigureOut">
+            <a:fld id="{8DCCB092-5A8B-4AC3-9F26-50EE86CB5220}" type="datetime1">
               <a:rPr lang="fr-FR" smtClean="0"/>
               <a:t>21/09/2021</a:t>
             </a:fld>
@@ -12714,7 +13066,7 @@
             </a:lvl1pPr>
           </a:lstStyle>
           <a:p>
-            <a:fld id="{FE51F9CA-5135-4A7D-9D2E-A58C7B174BB9}" type="datetimeFigureOut">
+            <a:fld id="{007AD50D-BA72-4D52-87F8-6AB4A1F8851F}" type="datetime1">
               <a:rPr lang="fr-FR" smtClean="0"/>
               <a:t>21/09/2021</a:t>
             </a:fld>
@@ -12859,6 +13211,7 @@
     <p:sldLayoutId id="2147483802" r:id="rId16"/>
     <p:sldLayoutId id="2147483803" r:id="rId17"/>
   </p:sldLayoutIdLst>
+  <p:hf hdr="0" ftr="0" dt="0"/>
   <p:txStyles>
     <p:titleStyle>
       <a:lvl1pPr algn="l" defTabSz="457200" rtl="0" eaLnBrk="1" latinLnBrk="0" hangingPunct="1">
@@ -13337,6 +13690,35 @@
           </a:p>
         </p:txBody>
       </p:sp>
+      <p:sp>
+        <p:nvSpPr>
+          <p:cNvPr id="4" name="Espace réservé du numéro de diapositive 3">
+            <a:extLst>
+              <a:ext uri="{FF2B5EF4-FFF2-40B4-BE49-F238E27FC236}">
+                <a16:creationId xmlns:a16="http://schemas.microsoft.com/office/drawing/2014/main" id="{16B39A63-AA5C-4938-AD5A-1666496F6BDD}"/>
+              </a:ext>
+            </a:extLst>
+          </p:cNvPr>
+          <p:cNvSpPr>
+            <a:spLocks noGrp="1"/>
+          </p:cNvSpPr>
+          <p:nvPr>
+            <p:ph type="sldNum" sz="quarter" idx="12"/>
+          </p:nvPr>
+        </p:nvSpPr>
+        <p:spPr/>
+        <p:txBody>
+          <a:bodyPr/>
+          <a:lstStyle/>
+          <a:p>
+            <a:fld id="{9D974EC3-CB10-4CA7-BC43-F179F4B205DD}" type="slidenum">
+              <a:rPr lang="fr-FR" smtClean="0"/>
+              <a:t>1</a:t>
+            </a:fld>
+            <a:endParaRPr lang="fr-FR"/>
+          </a:p>
+        </p:txBody>
+      </p:sp>
     </p:spTree>
     <p:extLst>
       <p:ext uri="{BB962C8B-B14F-4D97-AF65-F5344CB8AC3E}">
@@ -13525,6 +13907,35 @@
           </a:p>
         </p:txBody>
       </p:sp>
+      <p:sp>
+        <p:nvSpPr>
+          <p:cNvPr id="3" name="Espace réservé du numéro de diapositive 2">
+            <a:extLst>
+              <a:ext uri="{FF2B5EF4-FFF2-40B4-BE49-F238E27FC236}">
+                <a16:creationId xmlns:a16="http://schemas.microsoft.com/office/drawing/2014/main" id="{CF7D7715-1D7F-4A46-82E7-BDA745BFDF56}"/>
+              </a:ext>
+            </a:extLst>
+          </p:cNvPr>
+          <p:cNvSpPr>
+            <a:spLocks noGrp="1"/>
+          </p:cNvSpPr>
+          <p:nvPr>
+            <p:ph type="sldNum" sz="quarter" idx="12"/>
+          </p:nvPr>
+        </p:nvSpPr>
+        <p:spPr/>
+        <p:txBody>
+          <a:bodyPr/>
+          <a:lstStyle/>
+          <a:p>
+            <a:fld id="{9D974EC3-CB10-4CA7-BC43-F179F4B205DD}" type="slidenum">
+              <a:rPr lang="fr-FR" smtClean="0"/>
+              <a:t>10</a:t>
+            </a:fld>
+            <a:endParaRPr lang="fr-FR"/>
+          </a:p>
+        </p:txBody>
+      </p:sp>
     </p:spTree>
     <p:extLst>
       <p:ext uri="{BB962C8B-B14F-4D97-AF65-F5344CB8AC3E}">
@@ -14016,6 +14427,35 @@
               <a:rPr lang="fr-FR" sz="1200" dirty="0"/>
               <a:t>Image finale</a:t>
             </a:r>
+          </a:p>
+        </p:txBody>
+      </p:sp>
+      <p:sp>
+        <p:nvSpPr>
+          <p:cNvPr id="3" name="Espace réservé du numéro de diapositive 2">
+            <a:extLst>
+              <a:ext uri="{FF2B5EF4-FFF2-40B4-BE49-F238E27FC236}">
+                <a16:creationId xmlns:a16="http://schemas.microsoft.com/office/drawing/2014/main" id="{A492DFA2-CCDD-4A06-875A-AD57B5EF585C}"/>
+              </a:ext>
+            </a:extLst>
+          </p:cNvPr>
+          <p:cNvSpPr>
+            <a:spLocks noGrp="1"/>
+          </p:cNvSpPr>
+          <p:nvPr>
+            <p:ph type="sldNum" sz="quarter" idx="12"/>
+          </p:nvPr>
+        </p:nvSpPr>
+        <p:spPr/>
+        <p:txBody>
+          <a:bodyPr/>
+          <a:lstStyle/>
+          <a:p>
+            <a:fld id="{9D974EC3-CB10-4CA7-BC43-F179F4B205DD}" type="slidenum">
+              <a:rPr lang="fr-FR" smtClean="0"/>
+              <a:t>11</a:t>
+            </a:fld>
+            <a:endParaRPr lang="fr-FR"/>
           </a:p>
         </p:txBody>
       </p:sp>
@@ -14213,6 +14653,35 @@
           </a:p>
         </p:txBody>
       </p:sp>
+      <p:sp>
+        <p:nvSpPr>
+          <p:cNvPr id="3" name="Espace réservé du numéro de diapositive 2">
+            <a:extLst>
+              <a:ext uri="{FF2B5EF4-FFF2-40B4-BE49-F238E27FC236}">
+                <a16:creationId xmlns:a16="http://schemas.microsoft.com/office/drawing/2014/main" id="{5AEBB233-4070-454A-9DDC-2B915436DDE2}"/>
+              </a:ext>
+            </a:extLst>
+          </p:cNvPr>
+          <p:cNvSpPr>
+            <a:spLocks noGrp="1"/>
+          </p:cNvSpPr>
+          <p:nvPr>
+            <p:ph type="sldNum" sz="quarter" idx="12"/>
+          </p:nvPr>
+        </p:nvSpPr>
+        <p:spPr/>
+        <p:txBody>
+          <a:bodyPr/>
+          <a:lstStyle/>
+          <a:p>
+            <a:fld id="{9D974EC3-CB10-4CA7-BC43-F179F4B205DD}" type="slidenum">
+              <a:rPr lang="fr-FR" smtClean="0"/>
+              <a:t>12</a:t>
+            </a:fld>
+            <a:endParaRPr lang="fr-FR"/>
+          </a:p>
+        </p:txBody>
+      </p:sp>
     </p:spTree>
     <p:extLst>
       <p:ext uri="{BB962C8B-B14F-4D97-AF65-F5344CB8AC3E}">
@@ -14331,6 +14800,35 @@
           </a:prstGeom>
         </p:spPr>
       </p:pic>
+      <p:sp>
+        <p:nvSpPr>
+          <p:cNvPr id="3" name="Espace réservé du numéro de diapositive 2">
+            <a:extLst>
+              <a:ext uri="{FF2B5EF4-FFF2-40B4-BE49-F238E27FC236}">
+                <a16:creationId xmlns:a16="http://schemas.microsoft.com/office/drawing/2014/main" id="{11E7093C-585F-4F96-8E55-FF80BD71910E}"/>
+              </a:ext>
+            </a:extLst>
+          </p:cNvPr>
+          <p:cNvSpPr>
+            <a:spLocks noGrp="1"/>
+          </p:cNvSpPr>
+          <p:nvPr>
+            <p:ph type="sldNum" sz="quarter" idx="12"/>
+          </p:nvPr>
+        </p:nvSpPr>
+        <p:spPr/>
+        <p:txBody>
+          <a:bodyPr/>
+          <a:lstStyle/>
+          <a:p>
+            <a:fld id="{9D974EC3-CB10-4CA7-BC43-F179F4B205DD}" type="slidenum">
+              <a:rPr lang="fr-FR" smtClean="0"/>
+              <a:t>13</a:t>
+            </a:fld>
+            <a:endParaRPr lang="fr-FR"/>
+          </a:p>
+        </p:txBody>
+      </p:sp>
     </p:spTree>
     <p:extLst>
       <p:ext uri="{BB962C8B-B14F-4D97-AF65-F5344CB8AC3E}">
@@ -14520,6 +15018,35 @@
           </a:prstGeom>
         </p:spPr>
       </p:pic>
+      <p:sp>
+        <p:nvSpPr>
+          <p:cNvPr id="3" name="Espace réservé du numéro de diapositive 2">
+            <a:extLst>
+              <a:ext uri="{FF2B5EF4-FFF2-40B4-BE49-F238E27FC236}">
+                <a16:creationId xmlns:a16="http://schemas.microsoft.com/office/drawing/2014/main" id="{483A22AE-17B4-446D-8FFE-7D65D4A81961}"/>
+              </a:ext>
+            </a:extLst>
+          </p:cNvPr>
+          <p:cNvSpPr>
+            <a:spLocks noGrp="1"/>
+          </p:cNvSpPr>
+          <p:nvPr>
+            <p:ph type="sldNum" sz="quarter" idx="12"/>
+          </p:nvPr>
+        </p:nvSpPr>
+        <p:spPr/>
+        <p:txBody>
+          <a:bodyPr/>
+          <a:lstStyle/>
+          <a:p>
+            <a:fld id="{9D974EC3-CB10-4CA7-BC43-F179F4B205DD}" type="slidenum">
+              <a:rPr lang="fr-FR" smtClean="0"/>
+              <a:t>14</a:t>
+            </a:fld>
+            <a:endParaRPr lang="fr-FR"/>
+          </a:p>
+        </p:txBody>
+      </p:sp>
     </p:spTree>
     <p:extLst>
       <p:ext uri="{BB962C8B-B14F-4D97-AF65-F5344CB8AC3E}">
@@ -14709,6 +15236,35 @@
           </a:p>
         </p:txBody>
       </p:sp>
+      <p:sp>
+        <p:nvSpPr>
+          <p:cNvPr id="3" name="Espace réservé du numéro de diapositive 2">
+            <a:extLst>
+              <a:ext uri="{FF2B5EF4-FFF2-40B4-BE49-F238E27FC236}">
+                <a16:creationId xmlns:a16="http://schemas.microsoft.com/office/drawing/2014/main" id="{4EDCE846-1F71-4CA5-A7DD-E4E6FAC0B36D}"/>
+              </a:ext>
+            </a:extLst>
+          </p:cNvPr>
+          <p:cNvSpPr>
+            <a:spLocks noGrp="1"/>
+          </p:cNvSpPr>
+          <p:nvPr>
+            <p:ph type="sldNum" sz="quarter" idx="12"/>
+          </p:nvPr>
+        </p:nvSpPr>
+        <p:spPr/>
+        <p:txBody>
+          <a:bodyPr/>
+          <a:lstStyle/>
+          <a:p>
+            <a:fld id="{9D974EC3-CB10-4CA7-BC43-F179F4B205DD}" type="slidenum">
+              <a:rPr lang="fr-FR" smtClean="0"/>
+              <a:t>15</a:t>
+            </a:fld>
+            <a:endParaRPr lang="fr-FR"/>
+          </a:p>
+        </p:txBody>
+      </p:sp>
     </p:spTree>
     <p:extLst>
       <p:ext uri="{BB962C8B-B14F-4D97-AF65-F5344CB8AC3E}">
@@ -14767,7 +15323,15 @@
           <a:p>
             <a:r>
               <a:rPr lang="fr-FR" dirty="0"/>
-              <a:t>Erreurs de prédiction après fine-tuning de  VGG16</a:t>
+              <a:t>Erreurs de prédiction après </a:t>
+            </a:r>
+            <a:r>
+              <a:rPr lang="fr-FR"/>
+              <a:t>fine-tuning de </a:t>
+            </a:r>
+            <a:r>
+              <a:rPr lang="fr-FR" dirty="0"/>
+              <a:t>VGG16</a:t>
             </a:r>
           </a:p>
         </p:txBody>
@@ -14922,6 +15486,35 @@
           </a:prstGeom>
         </p:spPr>
       </p:pic>
+      <p:sp>
+        <p:nvSpPr>
+          <p:cNvPr id="3" name="Espace réservé du numéro de diapositive 2">
+            <a:extLst>
+              <a:ext uri="{FF2B5EF4-FFF2-40B4-BE49-F238E27FC236}">
+                <a16:creationId xmlns:a16="http://schemas.microsoft.com/office/drawing/2014/main" id="{2684EB73-B57F-48FE-B008-CC5E12518C66}"/>
+              </a:ext>
+            </a:extLst>
+          </p:cNvPr>
+          <p:cNvSpPr>
+            <a:spLocks noGrp="1"/>
+          </p:cNvSpPr>
+          <p:nvPr>
+            <p:ph type="sldNum" sz="quarter" idx="12"/>
+          </p:nvPr>
+        </p:nvSpPr>
+        <p:spPr/>
+        <p:txBody>
+          <a:bodyPr/>
+          <a:lstStyle/>
+          <a:p>
+            <a:fld id="{9D974EC3-CB10-4CA7-BC43-F179F4B205DD}" type="slidenum">
+              <a:rPr lang="fr-FR" smtClean="0"/>
+              <a:t>16</a:t>
+            </a:fld>
+            <a:endParaRPr lang="fr-FR"/>
+          </a:p>
+        </p:txBody>
+      </p:sp>
     </p:spTree>
     <p:extLst>
       <p:ext uri="{BB962C8B-B14F-4D97-AF65-F5344CB8AC3E}">
@@ -14952,6 +15545,35 @@
           <a:chExt cx="0" cy="0"/>
         </a:xfrm>
       </p:grpSpPr>
+      <p:sp>
+        <p:nvSpPr>
+          <p:cNvPr id="2" name="Espace réservé du numéro de diapositive 1">
+            <a:extLst>
+              <a:ext uri="{FF2B5EF4-FFF2-40B4-BE49-F238E27FC236}">
+                <a16:creationId xmlns:a16="http://schemas.microsoft.com/office/drawing/2014/main" id="{ED166711-5D58-4B75-BA0E-A6935384EAD9}"/>
+              </a:ext>
+            </a:extLst>
+          </p:cNvPr>
+          <p:cNvSpPr>
+            <a:spLocks noGrp="1"/>
+          </p:cNvSpPr>
+          <p:nvPr>
+            <p:ph type="sldNum" sz="quarter" idx="12"/>
+          </p:nvPr>
+        </p:nvSpPr>
+        <p:spPr/>
+        <p:txBody>
+          <a:bodyPr/>
+          <a:lstStyle/>
+          <a:p>
+            <a:fld id="{9D974EC3-CB10-4CA7-BC43-F179F4B205DD}" type="slidenum">
+              <a:rPr lang="fr-FR" smtClean="0"/>
+              <a:t>17</a:t>
+            </a:fld>
+            <a:endParaRPr lang="fr-FR"/>
+          </a:p>
+        </p:txBody>
+      </p:sp>
     </p:spTree>
     <p:extLst>
       <p:ext uri="{BB962C8B-B14F-4D97-AF65-F5344CB8AC3E}">
@@ -15040,6 +15662,35 @@
           </a:prstGeom>
         </p:spPr>
       </p:pic>
+      <p:sp>
+        <p:nvSpPr>
+          <p:cNvPr id="3" name="Espace réservé du numéro de diapositive 2">
+            <a:extLst>
+              <a:ext uri="{FF2B5EF4-FFF2-40B4-BE49-F238E27FC236}">
+                <a16:creationId xmlns:a16="http://schemas.microsoft.com/office/drawing/2014/main" id="{EEEB4E8C-0E07-4DCB-A678-665AEAE8754B}"/>
+              </a:ext>
+            </a:extLst>
+          </p:cNvPr>
+          <p:cNvSpPr>
+            <a:spLocks noGrp="1"/>
+          </p:cNvSpPr>
+          <p:nvPr>
+            <p:ph type="sldNum" sz="quarter" idx="12"/>
+          </p:nvPr>
+        </p:nvSpPr>
+        <p:spPr/>
+        <p:txBody>
+          <a:bodyPr/>
+          <a:lstStyle/>
+          <a:p>
+            <a:fld id="{9D974EC3-CB10-4CA7-BC43-F179F4B205DD}" type="slidenum">
+              <a:rPr lang="fr-FR" smtClean="0"/>
+              <a:t>2</a:t>
+            </a:fld>
+            <a:endParaRPr lang="fr-FR"/>
+          </a:p>
+        </p:txBody>
+      </p:sp>
     </p:spTree>
     <p:extLst>
       <p:ext uri="{BB962C8B-B14F-4D97-AF65-F5344CB8AC3E}">
@@ -15134,6 +15785,35 @@
           </a:prstGeom>
         </p:spPr>
       </p:pic>
+      <p:sp>
+        <p:nvSpPr>
+          <p:cNvPr id="3" name="Espace réservé du numéro de diapositive 2">
+            <a:extLst>
+              <a:ext uri="{FF2B5EF4-FFF2-40B4-BE49-F238E27FC236}">
+                <a16:creationId xmlns:a16="http://schemas.microsoft.com/office/drawing/2014/main" id="{D8AB6ADA-8604-4FB0-937C-2DC4ECF73198}"/>
+              </a:ext>
+            </a:extLst>
+          </p:cNvPr>
+          <p:cNvSpPr>
+            <a:spLocks noGrp="1"/>
+          </p:cNvSpPr>
+          <p:nvPr>
+            <p:ph type="sldNum" sz="quarter" idx="12"/>
+          </p:nvPr>
+        </p:nvSpPr>
+        <p:spPr/>
+        <p:txBody>
+          <a:bodyPr/>
+          <a:lstStyle/>
+          <a:p>
+            <a:fld id="{9D974EC3-CB10-4CA7-BC43-F179F4B205DD}" type="slidenum">
+              <a:rPr lang="fr-FR" smtClean="0"/>
+              <a:t>3</a:t>
+            </a:fld>
+            <a:endParaRPr lang="fr-FR"/>
+          </a:p>
+        </p:txBody>
+      </p:sp>
     </p:spTree>
     <p:extLst>
       <p:ext uri="{BB962C8B-B14F-4D97-AF65-F5344CB8AC3E}">
@@ -15252,6 +15932,35 @@
           </a:prstGeom>
         </p:spPr>
       </p:pic>
+      <p:sp>
+        <p:nvSpPr>
+          <p:cNvPr id="3" name="Espace réservé du numéro de diapositive 2">
+            <a:extLst>
+              <a:ext uri="{FF2B5EF4-FFF2-40B4-BE49-F238E27FC236}">
+                <a16:creationId xmlns:a16="http://schemas.microsoft.com/office/drawing/2014/main" id="{B7D1A5AE-7EB4-4560-AE5D-02AD6E1C380C}"/>
+              </a:ext>
+            </a:extLst>
+          </p:cNvPr>
+          <p:cNvSpPr>
+            <a:spLocks noGrp="1"/>
+          </p:cNvSpPr>
+          <p:nvPr>
+            <p:ph type="sldNum" sz="quarter" idx="12"/>
+          </p:nvPr>
+        </p:nvSpPr>
+        <p:spPr/>
+        <p:txBody>
+          <a:bodyPr/>
+          <a:lstStyle/>
+          <a:p>
+            <a:fld id="{9D974EC3-CB10-4CA7-BC43-F179F4B205DD}" type="slidenum">
+              <a:rPr lang="fr-FR" smtClean="0"/>
+              <a:t>4</a:t>
+            </a:fld>
+            <a:endParaRPr lang="fr-FR"/>
+          </a:p>
+        </p:txBody>
+      </p:sp>
     </p:spTree>
     <p:extLst>
       <p:ext uri="{BB962C8B-B14F-4D97-AF65-F5344CB8AC3E}">
@@ -15402,6 +16111,35 @@
           </a:p>
           <a:p>
             <a:endParaRPr lang="fr-FR" sz="2000" dirty="0"/>
+          </a:p>
+        </p:txBody>
+      </p:sp>
+      <p:sp>
+        <p:nvSpPr>
+          <p:cNvPr id="4" name="Espace réservé du numéro de diapositive 3">
+            <a:extLst>
+              <a:ext uri="{FF2B5EF4-FFF2-40B4-BE49-F238E27FC236}">
+                <a16:creationId xmlns:a16="http://schemas.microsoft.com/office/drawing/2014/main" id="{886D659D-0290-4210-A8B2-7F1FE9570195}"/>
+              </a:ext>
+            </a:extLst>
+          </p:cNvPr>
+          <p:cNvSpPr>
+            <a:spLocks noGrp="1"/>
+          </p:cNvSpPr>
+          <p:nvPr>
+            <p:ph type="sldNum" sz="quarter" idx="12"/>
+          </p:nvPr>
+        </p:nvSpPr>
+        <p:spPr/>
+        <p:txBody>
+          <a:bodyPr/>
+          <a:lstStyle/>
+          <a:p>
+            <a:fld id="{9D974EC3-CB10-4CA7-BC43-F179F4B205DD}" type="slidenum">
+              <a:rPr lang="fr-FR" smtClean="0"/>
+              <a:t>5</a:t>
+            </a:fld>
+            <a:endParaRPr lang="fr-FR"/>
           </a:p>
         </p:txBody>
       </p:sp>
@@ -16924,6 +17662,35 @@
               </a:rPr>
               <a:t> </a:t>
             </a:r>
+          </a:p>
+        </p:txBody>
+      </p:sp>
+      <p:sp>
+        <p:nvSpPr>
+          <p:cNvPr id="3" name="Espace réservé du numéro de diapositive 2">
+            <a:extLst>
+              <a:ext uri="{FF2B5EF4-FFF2-40B4-BE49-F238E27FC236}">
+                <a16:creationId xmlns:a16="http://schemas.microsoft.com/office/drawing/2014/main" id="{7C658688-85BF-4911-89BF-ECFCFA9DB29C}"/>
+              </a:ext>
+            </a:extLst>
+          </p:cNvPr>
+          <p:cNvSpPr>
+            <a:spLocks noGrp="1"/>
+          </p:cNvSpPr>
+          <p:nvPr>
+            <p:ph type="sldNum" sz="quarter" idx="12"/>
+          </p:nvPr>
+        </p:nvSpPr>
+        <p:spPr/>
+        <p:txBody>
+          <a:bodyPr/>
+          <a:lstStyle/>
+          <a:p>
+            <a:fld id="{9D974EC3-CB10-4CA7-BC43-F179F4B205DD}" type="slidenum">
+              <a:rPr lang="fr-FR" smtClean="0"/>
+              <a:t>6</a:t>
+            </a:fld>
+            <a:endParaRPr lang="fr-FR"/>
           </a:p>
         </p:txBody>
       </p:sp>
@@ -17045,6 +17812,35 @@
           </a:prstGeom>
         </p:spPr>
       </p:pic>
+      <p:sp>
+        <p:nvSpPr>
+          <p:cNvPr id="3" name="Espace réservé du numéro de diapositive 2">
+            <a:extLst>
+              <a:ext uri="{FF2B5EF4-FFF2-40B4-BE49-F238E27FC236}">
+                <a16:creationId xmlns:a16="http://schemas.microsoft.com/office/drawing/2014/main" id="{CB0A61AF-4F72-4C05-9C49-C0FE49282335}"/>
+              </a:ext>
+            </a:extLst>
+          </p:cNvPr>
+          <p:cNvSpPr>
+            <a:spLocks noGrp="1"/>
+          </p:cNvSpPr>
+          <p:nvPr>
+            <p:ph type="sldNum" sz="quarter" idx="12"/>
+          </p:nvPr>
+        </p:nvSpPr>
+        <p:spPr/>
+        <p:txBody>
+          <a:bodyPr/>
+          <a:lstStyle/>
+          <a:p>
+            <a:fld id="{9D974EC3-CB10-4CA7-BC43-F179F4B205DD}" type="slidenum">
+              <a:rPr lang="fr-FR" smtClean="0"/>
+              <a:t>7</a:t>
+            </a:fld>
+            <a:endParaRPr lang="fr-FR"/>
+          </a:p>
+        </p:txBody>
+      </p:sp>
     </p:spTree>
     <p:extLst>
       <p:ext uri="{BB962C8B-B14F-4D97-AF65-F5344CB8AC3E}">
@@ -17163,6 +17959,35 @@
           </a:prstGeom>
         </p:spPr>
       </p:pic>
+      <p:sp>
+        <p:nvSpPr>
+          <p:cNvPr id="3" name="Espace réservé du numéro de diapositive 2">
+            <a:extLst>
+              <a:ext uri="{FF2B5EF4-FFF2-40B4-BE49-F238E27FC236}">
+                <a16:creationId xmlns:a16="http://schemas.microsoft.com/office/drawing/2014/main" id="{E9E4B851-4197-4DEB-B1F0-A10FA4D83A29}"/>
+              </a:ext>
+            </a:extLst>
+          </p:cNvPr>
+          <p:cNvSpPr>
+            <a:spLocks noGrp="1"/>
+          </p:cNvSpPr>
+          <p:nvPr>
+            <p:ph type="sldNum" sz="quarter" idx="12"/>
+          </p:nvPr>
+        </p:nvSpPr>
+        <p:spPr/>
+        <p:txBody>
+          <a:bodyPr/>
+          <a:lstStyle/>
+          <a:p>
+            <a:fld id="{9D974EC3-CB10-4CA7-BC43-F179F4B205DD}" type="slidenum">
+              <a:rPr lang="fr-FR" smtClean="0"/>
+              <a:t>8</a:t>
+            </a:fld>
+            <a:endParaRPr lang="fr-FR"/>
+          </a:p>
+        </p:txBody>
+      </p:sp>
     </p:spTree>
     <p:extLst>
       <p:ext uri="{BB962C8B-B14F-4D97-AF65-F5344CB8AC3E}">
@@ -17445,6 +18270,35 @@
               <a:rPr lang="fr-FR" sz="1400" dirty="0"/>
               <a:t>Problèmes liés aux plats cuisinés</a:t>
             </a:r>
+          </a:p>
+        </p:txBody>
+      </p:sp>
+      <p:sp>
+        <p:nvSpPr>
+          <p:cNvPr id="3" name="Espace réservé du numéro de diapositive 2">
+            <a:extLst>
+              <a:ext uri="{FF2B5EF4-FFF2-40B4-BE49-F238E27FC236}">
+                <a16:creationId xmlns:a16="http://schemas.microsoft.com/office/drawing/2014/main" id="{BDFC5E94-02F2-40A0-997C-45AD418A0574}"/>
+              </a:ext>
+            </a:extLst>
+          </p:cNvPr>
+          <p:cNvSpPr>
+            <a:spLocks noGrp="1"/>
+          </p:cNvSpPr>
+          <p:nvPr>
+            <p:ph type="sldNum" sz="quarter" idx="12"/>
+          </p:nvPr>
+        </p:nvSpPr>
+        <p:spPr/>
+        <p:txBody>
+          <a:bodyPr/>
+          <a:lstStyle/>
+          <a:p>
+            <a:fld id="{9D974EC3-CB10-4CA7-BC43-F179F4B205DD}" type="slidenum">
+              <a:rPr lang="fr-FR" smtClean="0"/>
+              <a:t>9</a:t>
+            </a:fld>
+            <a:endParaRPr lang="fr-FR"/>
           </a:p>
         </p:txBody>
       </p:sp>
@@ -17723,4 +18577,299 @@
     </a:ext>
   </a:extLst>
 </a:theme>
+</file>
+
+<file path=ppt/theme/theme2.xml><?xml version="1.0" encoding="utf-8"?>
+<a:theme xmlns:a="http://schemas.openxmlformats.org/drawingml/2006/main" name="Thème Office">
+  <a:themeElements>
+    <a:clrScheme name="Office">
+      <a:dk1>
+        <a:sysClr val="windowText" lastClr="000000"/>
+      </a:dk1>
+      <a:lt1>
+        <a:sysClr val="window" lastClr="FFFFFF"/>
+      </a:lt1>
+      <a:dk2>
+        <a:srgbClr val="44546A"/>
+      </a:dk2>
+      <a:lt2>
+        <a:srgbClr val="E7E6E6"/>
+      </a:lt2>
+      <a:accent1>
+        <a:srgbClr val="4472C4"/>
+      </a:accent1>
+      <a:accent2>
+        <a:srgbClr val="ED7D31"/>
+      </a:accent2>
+      <a:accent3>
+        <a:srgbClr val="A5A5A5"/>
+      </a:accent3>
+      <a:accent4>
+        <a:srgbClr val="FFC000"/>
+      </a:accent4>
+      <a:accent5>
+        <a:srgbClr val="5B9BD5"/>
+      </a:accent5>
+      <a:accent6>
+        <a:srgbClr val="70AD47"/>
+      </a:accent6>
+      <a:hlink>
+        <a:srgbClr val="0563C1"/>
+      </a:hlink>
+      <a:folHlink>
+        <a:srgbClr val="954F72"/>
+      </a:folHlink>
+    </a:clrScheme>
+    <a:fontScheme name="Office">
+      <a:majorFont>
+        <a:latin typeface="Calibri Light" panose="020F0302020204030204"/>
+        <a:ea typeface=""/>
+        <a:cs typeface=""/>
+        <a:font script="Jpan" typeface="游ゴシック Light"/>
+        <a:font script="Hang" typeface="맑은 고딕"/>
+        <a:font script="Hans" typeface="等线 Light"/>
+        <a:font script="Hant" typeface="新細明體"/>
+        <a:font script="Arab" typeface="Times New Roman"/>
+        <a:font script="Hebr" typeface="Times New Roman"/>
+        <a:font script="Thai" typeface="Angsana New"/>
+        <a:font script="Ethi" typeface="Nyala"/>
+        <a:font script="Beng" typeface="Vrinda"/>
+        <a:font script="Gujr" typeface="Shruti"/>
+        <a:font script="Khmr" typeface="MoolBoran"/>
+        <a:font script="Knda" typeface="Tunga"/>
+        <a:font script="Guru" typeface="Raavi"/>
+        <a:font script="Cans" typeface="Euphemia"/>
+        <a:font script="Cher" typeface="Plantagenet Cherokee"/>
+        <a:font script="Yiii" typeface="Microsoft Yi Baiti"/>
+        <a:font script="Tibt" typeface="Microsoft Himalaya"/>
+        <a:font script="Thaa" typeface="MV Boli"/>
+        <a:font script="Deva" typeface="Mangal"/>
+        <a:font script="Telu" typeface="Gautami"/>
+        <a:font script="Taml" typeface="Latha"/>
+        <a:font script="Syrc" typeface="Estrangelo Edessa"/>
+        <a:font script="Orya" typeface="Kalinga"/>
+        <a:font script="Mlym" typeface="Kartika"/>
+        <a:font script="Laoo" typeface="DokChampa"/>
+        <a:font script="Sinh" typeface="Iskoola Pota"/>
+        <a:font script="Mong" typeface="Mongolian Baiti"/>
+        <a:font script="Viet" typeface="Times New Roman"/>
+        <a:font script="Uigh" typeface="Microsoft Uighur"/>
+        <a:font script="Geor" typeface="Sylfaen"/>
+        <a:font script="Armn" typeface="Arial"/>
+        <a:font script="Bugi" typeface="Leelawadee UI"/>
+        <a:font script="Bopo" typeface="Microsoft JhengHei"/>
+        <a:font script="Java" typeface="Javanese Text"/>
+        <a:font script="Lisu" typeface="Segoe UI"/>
+        <a:font script="Mymr" typeface="Myanmar Text"/>
+        <a:font script="Nkoo" typeface="Ebrima"/>
+        <a:font script="Olck" typeface="Nirmala UI"/>
+        <a:font script="Osma" typeface="Ebrima"/>
+        <a:font script="Phag" typeface="Phagspa"/>
+        <a:font script="Syrn" typeface="Estrangelo Edessa"/>
+        <a:font script="Syrj" typeface="Estrangelo Edessa"/>
+        <a:font script="Syre" typeface="Estrangelo Edessa"/>
+        <a:font script="Sora" typeface="Nirmala UI"/>
+        <a:font script="Tale" typeface="Microsoft Tai Le"/>
+        <a:font script="Talu" typeface="Microsoft New Tai Lue"/>
+        <a:font script="Tfng" typeface="Ebrima"/>
+      </a:majorFont>
+      <a:minorFont>
+        <a:latin typeface="Calibri" panose="020F0502020204030204"/>
+        <a:ea typeface=""/>
+        <a:cs typeface=""/>
+        <a:font script="Jpan" typeface="游ゴシック"/>
+        <a:font script="Hang" typeface="맑은 고딕"/>
+        <a:font script="Hans" typeface="等线"/>
+        <a:font script="Hant" typeface="新細明體"/>
+        <a:font script="Arab" typeface="Arial"/>
+        <a:font script="Hebr" typeface="Arial"/>
+        <a:font script="Thai" typeface="Cordia New"/>
+        <a:font script="Ethi" typeface="Nyala"/>
+        <a:font script="Beng" typeface="Vrinda"/>
+        <a:font script="Gujr" typeface="Shruti"/>
+        <a:font script="Khmr" typeface="DaunPenh"/>
+        <a:font script="Knda" typeface="Tunga"/>
+        <a:font script="Guru" typeface="Raavi"/>
+        <a:font script="Cans" typeface="Euphemia"/>
+        <a:font script="Cher" typeface="Plantagenet Cherokee"/>
+        <a:font script="Yiii" typeface="Microsoft Yi Baiti"/>
+        <a:font script="Tibt" typeface="Microsoft Himalaya"/>
+        <a:font script="Thaa" typeface="MV Boli"/>
+        <a:font script="Deva" typeface="Mangal"/>
+        <a:font script="Telu" typeface="Gautami"/>
+        <a:font script="Taml" typeface="Latha"/>
+        <a:font script="Syrc" typeface="Estrangelo Edessa"/>
+        <a:font script="Orya" typeface="Kalinga"/>
+        <a:font script="Mlym" typeface="Kartika"/>
+        <a:font script="Laoo" typeface="DokChampa"/>
+        <a:font script="Sinh" typeface="Iskoola Pota"/>
+        <a:font script="Mong" typeface="Mongolian Baiti"/>
+        <a:font script="Viet" typeface="Arial"/>
+        <a:font script="Uigh" typeface="Microsoft Uighur"/>
+        <a:font script="Geor" typeface="Sylfaen"/>
+        <a:font script="Armn" typeface="Arial"/>
+        <a:font script="Bugi" typeface="Leelawadee UI"/>
+        <a:font script="Bopo" typeface="Microsoft JhengHei"/>
+        <a:font script="Java" typeface="Javanese Text"/>
+        <a:font script="Lisu" typeface="Segoe UI"/>
+        <a:font script="Mymr" typeface="Myanmar Text"/>
+        <a:font script="Nkoo" typeface="Ebrima"/>
+        <a:font script="Olck" typeface="Nirmala UI"/>
+        <a:font script="Osma" typeface="Ebrima"/>
+        <a:font script="Phag" typeface="Phagspa"/>
+        <a:font script="Syrn" typeface="Estrangelo Edessa"/>
+        <a:font script="Syrj" typeface="Estrangelo Edessa"/>
+        <a:font script="Syre" typeface="Estrangelo Edessa"/>
+        <a:font script="Sora" typeface="Nirmala UI"/>
+        <a:font script="Tale" typeface="Microsoft Tai Le"/>
+        <a:font script="Talu" typeface="Microsoft New Tai Lue"/>
+        <a:font script="Tfng" typeface="Ebrima"/>
+      </a:minorFont>
+    </a:fontScheme>
+    <a:fmtScheme name="Office">
+      <a:fillStyleLst>
+        <a:solidFill>
+          <a:schemeClr val="phClr"/>
+        </a:solidFill>
+        <a:gradFill rotWithShape="1">
+          <a:gsLst>
+            <a:gs pos="0">
+              <a:schemeClr val="phClr">
+                <a:lumMod val="110000"/>
+                <a:satMod val="105000"/>
+                <a:tint val="67000"/>
+              </a:schemeClr>
+            </a:gs>
+            <a:gs pos="50000">
+              <a:schemeClr val="phClr">
+                <a:lumMod val="105000"/>
+                <a:satMod val="103000"/>
+                <a:tint val="73000"/>
+              </a:schemeClr>
+            </a:gs>
+            <a:gs pos="100000">
+              <a:schemeClr val="phClr">
+                <a:lumMod val="105000"/>
+                <a:satMod val="109000"/>
+                <a:tint val="81000"/>
+              </a:schemeClr>
+            </a:gs>
+          </a:gsLst>
+          <a:lin ang="5400000" scaled="0"/>
+        </a:gradFill>
+        <a:gradFill rotWithShape="1">
+          <a:gsLst>
+            <a:gs pos="0">
+              <a:schemeClr val="phClr">
+                <a:satMod val="103000"/>
+                <a:lumMod val="102000"/>
+                <a:tint val="94000"/>
+              </a:schemeClr>
+            </a:gs>
+            <a:gs pos="50000">
+              <a:schemeClr val="phClr">
+                <a:satMod val="110000"/>
+                <a:lumMod val="100000"/>
+                <a:shade val="100000"/>
+              </a:schemeClr>
+            </a:gs>
+            <a:gs pos="100000">
+              <a:schemeClr val="phClr">
+                <a:lumMod val="99000"/>
+                <a:satMod val="120000"/>
+                <a:shade val="78000"/>
+              </a:schemeClr>
+            </a:gs>
+          </a:gsLst>
+          <a:lin ang="5400000" scaled="0"/>
+        </a:gradFill>
+      </a:fillStyleLst>
+      <a:lnStyleLst>
+        <a:ln w="6350" cap="flat" cmpd="sng" algn="ctr">
+          <a:solidFill>
+            <a:schemeClr val="phClr"/>
+          </a:solidFill>
+          <a:prstDash val="solid"/>
+          <a:miter lim="800000"/>
+        </a:ln>
+        <a:ln w="12700" cap="flat" cmpd="sng" algn="ctr">
+          <a:solidFill>
+            <a:schemeClr val="phClr"/>
+          </a:solidFill>
+          <a:prstDash val="solid"/>
+          <a:miter lim="800000"/>
+        </a:ln>
+        <a:ln w="19050" cap="flat" cmpd="sng" algn="ctr">
+          <a:solidFill>
+            <a:schemeClr val="phClr"/>
+          </a:solidFill>
+          <a:prstDash val="solid"/>
+          <a:miter lim="800000"/>
+        </a:ln>
+      </a:lnStyleLst>
+      <a:effectStyleLst>
+        <a:effectStyle>
+          <a:effectLst/>
+        </a:effectStyle>
+        <a:effectStyle>
+          <a:effectLst/>
+        </a:effectStyle>
+        <a:effectStyle>
+          <a:effectLst>
+            <a:outerShdw blurRad="57150" dist="19050" dir="5400000" algn="ctr" rotWithShape="0">
+              <a:srgbClr val="000000">
+                <a:alpha val="63000"/>
+              </a:srgbClr>
+            </a:outerShdw>
+          </a:effectLst>
+        </a:effectStyle>
+      </a:effectStyleLst>
+      <a:bgFillStyleLst>
+        <a:solidFill>
+          <a:schemeClr val="phClr"/>
+        </a:solidFill>
+        <a:solidFill>
+          <a:schemeClr val="phClr">
+            <a:tint val="95000"/>
+            <a:satMod val="170000"/>
+          </a:schemeClr>
+        </a:solidFill>
+        <a:gradFill rotWithShape="1">
+          <a:gsLst>
+            <a:gs pos="0">
+              <a:schemeClr val="phClr">
+                <a:tint val="93000"/>
+                <a:satMod val="150000"/>
+                <a:shade val="98000"/>
+                <a:lumMod val="102000"/>
+              </a:schemeClr>
+            </a:gs>
+            <a:gs pos="50000">
+              <a:schemeClr val="phClr">
+                <a:tint val="98000"/>
+                <a:satMod val="130000"/>
+                <a:shade val="90000"/>
+                <a:lumMod val="103000"/>
+              </a:schemeClr>
+            </a:gs>
+            <a:gs pos="100000">
+              <a:schemeClr val="phClr">
+                <a:shade val="63000"/>
+                <a:satMod val="120000"/>
+              </a:schemeClr>
+            </a:gs>
+          </a:gsLst>
+          <a:lin ang="5400000" scaled="0"/>
+        </a:gradFill>
+      </a:bgFillStyleLst>
+    </a:fmtScheme>
+  </a:themeElements>
+  <a:objectDefaults/>
+  <a:extraClrSchemeLst/>
+  <a:extLst>
+    <a:ext uri="{05A4C25C-085E-4340-85A3-A5531E510DB2}">
+      <thm15:themeFamily xmlns:thm15="http://schemas.microsoft.com/office/thememl/2012/main" name="Office Theme" id="{62F939B6-93AF-4DB8-9C6B-D6C7DFDC589F}" vid="{4A3C46E8-61CC-4603-A589-7422A47A8E4A}"/>
+    </a:ext>
+  </a:extLst>
+</a:theme>
 </file>
--- a/P6_01_presentation.pptx
+++ b/P6_01_presentation.pptx
@@ -5,7 +5,7 @@
     <p:sldMasterId id="2147483786" r:id="rId1"/>
   </p:sldMasterIdLst>
   <p:notesMasterIdLst>
-    <p:notesMasterId r:id="rId19"/>
+    <p:notesMasterId r:id="rId21"/>
   </p:notesMasterIdLst>
   <p:sldIdLst>
     <p:sldId id="256" r:id="rId2"/>
@@ -24,7 +24,9 @@
     <p:sldId id="278" r:id="rId15"/>
     <p:sldId id="279" r:id="rId16"/>
     <p:sldId id="280" r:id="rId17"/>
-    <p:sldId id="270" r:id="rId18"/>
+    <p:sldId id="284" r:id="rId18"/>
+    <p:sldId id="285" r:id="rId19"/>
+    <p:sldId id="270" r:id="rId20"/>
   </p:sldIdLst>
   <p:sldSz cx="12192000" cy="6858000"/>
   <p:notesSz cx="6858000" cy="9144000"/>
@@ -213,7 +215,7 @@
           <a:p>
             <a:fld id="{704B0BD4-CFD5-4D2E-94DD-CAB457FF286B}" type="datetimeFigureOut">
               <a:rPr lang="fr-FR" smtClean="0"/>
-              <a:t>21/09/2021</a:t>
+              <a:t>22/09/2021</a:t>
             </a:fld>
             <a:endParaRPr lang="fr-FR"/>
           </a:p>
@@ -815,7 +817,7 @@
           <a:p>
             <a:fld id="{39B14C4A-EADF-4DD5-B5EB-0A5A79ADBD65}" type="datetime1">
               <a:rPr lang="fr-FR" smtClean="0"/>
-              <a:t>21/09/2021</a:t>
+              <a:t>22/09/2021</a:t>
             </a:fld>
             <a:endParaRPr lang="fr-FR"/>
           </a:p>
@@ -1903,7 +1905,7 @@
           <a:p>
             <a:fld id="{2508AB0F-1DD9-4935-90F8-92224752A26B}" type="datetime1">
               <a:rPr lang="fr-FR" smtClean="0"/>
-              <a:t>21/09/2021</a:t>
+              <a:t>22/09/2021</a:t>
             </a:fld>
             <a:endParaRPr lang="fr-FR"/>
           </a:p>
@@ -2883,7 +2885,7 @@
           <a:p>
             <a:fld id="{B0A942E3-711F-4740-918A-E913B7C45615}" type="datetime1">
               <a:rPr lang="fr-FR" smtClean="0"/>
-              <a:t>21/09/2021</a:t>
+              <a:t>22/09/2021</a:t>
             </a:fld>
             <a:endParaRPr lang="fr-FR"/>
           </a:p>
@@ -4017,7 +4019,7 @@
           <a:p>
             <a:fld id="{627AA1F9-CACE-4B03-8971-8844D5187DCB}" type="datetime1">
               <a:rPr lang="fr-FR" smtClean="0"/>
-              <a:t>21/09/2021</a:t>
+              <a:t>22/09/2021</a:t>
             </a:fld>
             <a:endParaRPr lang="fr-FR"/>
           </a:p>
@@ -5050,7 +5052,7 @@
           <a:p>
             <a:fld id="{4F3DD30C-8646-498D-9EA4-35679604ADA7}" type="datetime1">
               <a:rPr lang="fr-FR" smtClean="0"/>
-              <a:t>21/09/2021</a:t>
+              <a:t>22/09/2021</a:t>
             </a:fld>
             <a:endParaRPr lang="fr-FR"/>
           </a:p>
@@ -5710,7 +5712,7 @@
           <a:p>
             <a:fld id="{9429468F-ABFA-4C8A-8823-CAC2F2D5C810}" type="datetime1">
               <a:rPr lang="fr-FR" smtClean="0"/>
-              <a:t>21/09/2021</a:t>
+              <a:t>22/09/2021</a:t>
             </a:fld>
             <a:endParaRPr lang="fr-FR"/>
           </a:p>
@@ -6571,7 +6573,7 @@
           <a:p>
             <a:fld id="{97203237-BE92-48BC-8A56-E4516F5B9D66}" type="datetime1">
               <a:rPr lang="fr-FR" smtClean="0"/>
-              <a:t>21/09/2021</a:t>
+              <a:t>22/09/2021</a:t>
             </a:fld>
             <a:endParaRPr lang="fr-FR"/>
           </a:p>
@@ -6761,7 +6763,7 @@
           <a:p>
             <a:fld id="{C416D283-1039-46B4-9235-2E5993F38F07}" type="datetime1">
               <a:rPr lang="fr-FR" smtClean="0"/>
-              <a:t>21/09/2021</a:t>
+              <a:t>22/09/2021</a:t>
             </a:fld>
             <a:endParaRPr lang="fr-FR"/>
           </a:p>
@@ -7733,7 +7735,7 @@
           <a:p>
             <a:fld id="{22BC87F2-035D-47D1-948D-E4EA638AE9A1}" type="datetime1">
               <a:rPr lang="fr-FR" smtClean="0"/>
-              <a:t>21/09/2021</a:t>
+              <a:t>22/09/2021</a:t>
             </a:fld>
             <a:endParaRPr lang="fr-FR"/>
           </a:p>
@@ -7944,7 +7946,7 @@
           <a:p>
             <a:fld id="{5E99CB22-1A2C-4DEB-9996-40E88E713682}" type="datetime1">
               <a:rPr lang="fr-FR" smtClean="0"/>
-              <a:t>21/09/2021</a:t>
+              <a:t>22/09/2021</a:t>
             </a:fld>
             <a:endParaRPr lang="fr-FR"/>
           </a:p>
@@ -8978,7 +8980,7 @@
           <a:p>
             <a:fld id="{74703618-C21F-47A9-8476-1D7A13BEDD06}" type="datetime1">
               <a:rPr lang="fr-FR" smtClean="0"/>
-              <a:t>21/09/2021</a:t>
+              <a:t>22/09/2021</a:t>
             </a:fld>
             <a:endParaRPr lang="fr-FR"/>
           </a:p>
@@ -9250,7 +9252,7 @@
           <a:p>
             <a:fld id="{1466AF5C-55EA-495B-8DAB-9E10954B2596}" type="datetime1">
               <a:rPr lang="fr-FR" smtClean="0"/>
-              <a:t>21/09/2021</a:t>
+              <a:t>22/09/2021</a:t>
             </a:fld>
             <a:endParaRPr lang="fr-FR"/>
           </a:p>
@@ -9660,7 +9662,7 @@
           <a:p>
             <a:fld id="{51FFE911-360D-451D-AFF5-3193A8D808C0}" type="datetime1">
               <a:rPr lang="fr-FR" smtClean="0"/>
-              <a:t>21/09/2021</a:t>
+              <a:t>22/09/2021</a:t>
             </a:fld>
             <a:endParaRPr lang="fr-FR"/>
           </a:p>
@@ -9787,7 +9789,7 @@
           <a:p>
             <a:fld id="{F4D2196B-E7C7-438A-9ABA-963E461DDA0A}" type="datetime1">
               <a:rPr lang="fr-FR" smtClean="0"/>
-              <a:t>21/09/2021</a:t>
+              <a:t>22/09/2021</a:t>
             </a:fld>
             <a:endParaRPr lang="fr-FR"/>
           </a:p>
@@ -9882,7 +9884,7 @@
           <a:p>
             <a:fld id="{891655F4-FDD0-4875-AE86-230471F19595}" type="datetime1">
               <a:rPr lang="fr-FR" smtClean="0"/>
-              <a:t>21/09/2021</a:t>
+              <a:t>22/09/2021</a:t>
             </a:fld>
             <a:endParaRPr lang="fr-FR"/>
           </a:p>
@@ -10963,7 +10965,7 @@
           <a:p>
             <a:fld id="{FB8AF075-C13B-4B1F-A27B-AFE18681ECB3}" type="datetime1">
               <a:rPr lang="fr-FR" smtClean="0"/>
-              <a:t>21/09/2021</a:t>
+              <a:t>22/09/2021</a:t>
             </a:fld>
             <a:endParaRPr lang="fr-FR"/>
           </a:p>
@@ -12071,7 +12073,7 @@
           <a:p>
             <a:fld id="{8DCCB092-5A8B-4AC3-9F26-50EE86CB5220}" type="datetime1">
               <a:rPr lang="fr-FR" smtClean="0"/>
-              <a:t>21/09/2021</a:t>
+              <a:t>22/09/2021</a:t>
             </a:fld>
             <a:endParaRPr lang="fr-FR"/>
           </a:p>
@@ -13068,7 +13070,7 @@
           <a:p>
             <a:fld id="{007AD50D-BA72-4D52-87F8-6AB4A1F8851F}" type="datetime1">
               <a:rPr lang="fr-FR" smtClean="0"/>
-              <a:t>21/09/2021</a:t>
+              <a:t>22/09/2021</a:t>
             </a:fld>
             <a:endParaRPr lang="fr-FR"/>
           </a:p>
@@ -15547,6 +15549,192 @@
       </p:grpSpPr>
       <p:sp>
         <p:nvSpPr>
+          <p:cNvPr id="2" name="Titre 1">
+            <a:extLst>
+              <a:ext uri="{FF2B5EF4-FFF2-40B4-BE49-F238E27FC236}">
+                <a16:creationId xmlns:a16="http://schemas.microsoft.com/office/drawing/2014/main" id="{4B9F224A-5BCB-49DD-8DC4-86A01760F9ED}"/>
+              </a:ext>
+            </a:extLst>
+          </p:cNvPr>
+          <p:cNvSpPr>
+            <a:spLocks noGrp="1"/>
+          </p:cNvSpPr>
+          <p:nvPr>
+            <p:ph type="ctrTitle"/>
+          </p:nvPr>
+        </p:nvSpPr>
+        <p:spPr>
+          <a:xfrm>
+            <a:off x="1377263" y="1000776"/>
+            <a:ext cx="8825658" cy="2677648"/>
+          </a:xfrm>
+        </p:spPr>
+        <p:txBody>
+          <a:bodyPr/>
+          <a:lstStyle/>
+          <a:p>
+            <a:pPr algn="ctr"/>
+            <a:r>
+              <a:rPr lang="fr-FR" dirty="0"/>
+              <a:t>[[[Conclusion]]]</a:t>
+            </a:r>
+          </a:p>
+        </p:txBody>
+      </p:sp>
+      <p:sp>
+        <p:nvSpPr>
+          <p:cNvPr id="4" name="Espace réservé du numéro de diapositive 3">
+            <a:extLst>
+              <a:ext uri="{FF2B5EF4-FFF2-40B4-BE49-F238E27FC236}">
+                <a16:creationId xmlns:a16="http://schemas.microsoft.com/office/drawing/2014/main" id="{16B39A63-AA5C-4938-AD5A-1666496F6BDD}"/>
+              </a:ext>
+            </a:extLst>
+          </p:cNvPr>
+          <p:cNvSpPr>
+            <a:spLocks noGrp="1"/>
+          </p:cNvSpPr>
+          <p:nvPr>
+            <p:ph type="sldNum" sz="quarter" idx="12"/>
+          </p:nvPr>
+        </p:nvSpPr>
+        <p:spPr/>
+        <p:txBody>
+          <a:bodyPr/>
+          <a:lstStyle/>
+          <a:p>
+            <a:fld id="{9D974EC3-CB10-4CA7-BC43-F179F4B205DD}" type="slidenum">
+              <a:rPr lang="fr-FR" smtClean="0"/>
+              <a:t>17</a:t>
+            </a:fld>
+            <a:endParaRPr lang="fr-FR"/>
+          </a:p>
+        </p:txBody>
+      </p:sp>
+    </p:spTree>
+    <p:extLst>
+      <p:ext uri="{BB962C8B-B14F-4D97-AF65-F5344CB8AC3E}">
+        <p14:creationId xmlns:p14="http://schemas.microsoft.com/office/powerpoint/2010/main" val="3323426856"/>
+      </p:ext>
+    </p:extLst>
+  </p:cSld>
+  <p:clrMapOvr>
+    <a:masterClrMapping/>
+  </p:clrMapOvr>
+</p:sld>
+</file>
+
+<file path=ppt/slides/slide18.xml><?xml version="1.0" encoding="utf-8"?>
+<p:sld xmlns:a="http://schemas.openxmlformats.org/drawingml/2006/main" xmlns:r="http://schemas.openxmlformats.org/officeDocument/2006/relationships" xmlns:p="http://schemas.openxmlformats.org/presentationml/2006/main">
+  <p:cSld>
+    <p:spTree>
+      <p:nvGrpSpPr>
+        <p:cNvPr id="1" name=""/>
+        <p:cNvGrpSpPr/>
+        <p:nvPr/>
+      </p:nvGrpSpPr>
+      <p:grpSpPr>
+        <a:xfrm>
+          <a:off x="0" y="0"/>
+          <a:ext cx="0" cy="0"/>
+          <a:chOff x="0" y="0"/>
+          <a:chExt cx="0" cy="0"/>
+        </a:xfrm>
+      </p:grpSpPr>
+      <p:sp>
+        <p:nvSpPr>
+          <p:cNvPr id="2" name="Titre 1">
+            <a:extLst>
+              <a:ext uri="{FF2B5EF4-FFF2-40B4-BE49-F238E27FC236}">
+                <a16:creationId xmlns:a16="http://schemas.microsoft.com/office/drawing/2014/main" id="{4B9F224A-5BCB-49DD-8DC4-86A01760F9ED}"/>
+              </a:ext>
+            </a:extLst>
+          </p:cNvPr>
+          <p:cNvSpPr>
+            <a:spLocks noGrp="1"/>
+          </p:cNvSpPr>
+          <p:nvPr>
+            <p:ph type="ctrTitle"/>
+          </p:nvPr>
+        </p:nvSpPr>
+        <p:spPr>
+          <a:xfrm>
+            <a:off x="1342324" y="1063416"/>
+            <a:ext cx="8825658" cy="2677648"/>
+          </a:xfrm>
+        </p:spPr>
+        <p:txBody>
+          <a:bodyPr/>
+          <a:lstStyle/>
+          <a:p>
+            <a:pPr algn="ctr"/>
+            <a:r>
+              <a:rPr lang="fr-FR" dirty="0"/>
+              <a:t>[[[Travail futur]]]</a:t>
+            </a:r>
+          </a:p>
+        </p:txBody>
+      </p:sp>
+      <p:sp>
+        <p:nvSpPr>
+          <p:cNvPr id="4" name="Espace réservé du numéro de diapositive 3">
+            <a:extLst>
+              <a:ext uri="{FF2B5EF4-FFF2-40B4-BE49-F238E27FC236}">
+                <a16:creationId xmlns:a16="http://schemas.microsoft.com/office/drawing/2014/main" id="{16B39A63-AA5C-4938-AD5A-1666496F6BDD}"/>
+              </a:ext>
+            </a:extLst>
+          </p:cNvPr>
+          <p:cNvSpPr>
+            <a:spLocks noGrp="1"/>
+          </p:cNvSpPr>
+          <p:nvPr>
+            <p:ph type="sldNum" sz="quarter" idx="12"/>
+          </p:nvPr>
+        </p:nvSpPr>
+        <p:spPr/>
+        <p:txBody>
+          <a:bodyPr/>
+          <a:lstStyle/>
+          <a:p>
+            <a:fld id="{9D974EC3-CB10-4CA7-BC43-F179F4B205DD}" type="slidenum">
+              <a:rPr lang="fr-FR" smtClean="0"/>
+              <a:t>18</a:t>
+            </a:fld>
+            <a:endParaRPr lang="fr-FR"/>
+          </a:p>
+        </p:txBody>
+      </p:sp>
+    </p:spTree>
+    <p:extLst>
+      <p:ext uri="{BB962C8B-B14F-4D97-AF65-F5344CB8AC3E}">
+        <p14:creationId xmlns:p14="http://schemas.microsoft.com/office/powerpoint/2010/main" val="1477834167"/>
+      </p:ext>
+    </p:extLst>
+  </p:cSld>
+  <p:clrMapOvr>
+    <a:masterClrMapping/>
+  </p:clrMapOvr>
+</p:sld>
+</file>
+
+<file path=ppt/slides/slide19.xml><?xml version="1.0" encoding="utf-8"?>
+<p:sld xmlns:a="http://schemas.openxmlformats.org/drawingml/2006/main" xmlns:r="http://schemas.openxmlformats.org/officeDocument/2006/relationships" xmlns:p="http://schemas.openxmlformats.org/presentationml/2006/main">
+  <p:cSld>
+    <p:spTree>
+      <p:nvGrpSpPr>
+        <p:cNvPr id="1" name=""/>
+        <p:cNvGrpSpPr/>
+        <p:nvPr/>
+      </p:nvGrpSpPr>
+      <p:grpSpPr>
+        <a:xfrm>
+          <a:off x="0" y="0"/>
+          <a:ext cx="0" cy="0"/>
+          <a:chOff x="0" y="0"/>
+          <a:chExt cx="0" cy="0"/>
+        </a:xfrm>
+      </p:grpSpPr>
+      <p:sp>
+        <p:nvSpPr>
           <p:cNvPr id="2" name="Espace réservé du numéro de diapositive 1">
             <a:extLst>
               <a:ext uri="{FF2B5EF4-FFF2-40B4-BE49-F238E27FC236}">
@@ -15568,7 +15756,7 @@
           <a:p>
             <a:fld id="{9D974EC3-CB10-4CA7-BC43-F179F4B205DD}" type="slidenum">
               <a:rPr lang="fr-FR" smtClean="0"/>
-              <a:t>17</a:t>
+              <a:t>19</a:t>
             </a:fld>
             <a:endParaRPr lang="fr-FR"/>
           </a:p>
